--- a/DQDA_20200112.pptx
+++ b/DQDA_20200112.pptx
@@ -5,10 +5,10 @@
     <p:sldMasterId id="2147483660" r:id="rId1"/>
   </p:sldMasterIdLst>
   <p:notesMasterIdLst>
-    <p:notesMasterId r:id="rId41"/>
+    <p:notesMasterId r:id="rId40"/>
   </p:notesMasterIdLst>
   <p:handoutMasterIdLst>
-    <p:handoutMasterId r:id="rId42"/>
+    <p:handoutMasterId r:id="rId41"/>
   </p:handoutMasterIdLst>
   <p:sldIdLst>
     <p:sldId id="323" r:id="rId2"/>
@@ -28,28 +28,27 @@
     <p:sldId id="327" r:id="rId16"/>
     <p:sldId id="328" r:id="rId17"/>
     <p:sldId id="329" r:id="rId18"/>
-    <p:sldId id="357" r:id="rId19"/>
-    <p:sldId id="358" r:id="rId20"/>
-    <p:sldId id="330" r:id="rId21"/>
-    <p:sldId id="331" r:id="rId22"/>
-    <p:sldId id="332" r:id="rId23"/>
-    <p:sldId id="333" r:id="rId24"/>
-    <p:sldId id="334" r:id="rId25"/>
-    <p:sldId id="335" r:id="rId26"/>
-    <p:sldId id="336" r:id="rId27"/>
-    <p:sldId id="360" r:id="rId28"/>
-    <p:sldId id="361" r:id="rId29"/>
-    <p:sldId id="362" r:id="rId30"/>
-    <p:sldId id="337" r:id="rId31"/>
-    <p:sldId id="352" r:id="rId32"/>
-    <p:sldId id="355" r:id="rId33"/>
-    <p:sldId id="363" r:id="rId34"/>
-    <p:sldId id="364" r:id="rId35"/>
-    <p:sldId id="365" r:id="rId36"/>
-    <p:sldId id="351" r:id="rId37"/>
-    <p:sldId id="338" r:id="rId38"/>
-    <p:sldId id="350" r:id="rId39"/>
-    <p:sldId id="349" r:id="rId40"/>
+    <p:sldId id="358" r:id="rId19"/>
+    <p:sldId id="330" r:id="rId20"/>
+    <p:sldId id="331" r:id="rId21"/>
+    <p:sldId id="332" r:id="rId22"/>
+    <p:sldId id="333" r:id="rId23"/>
+    <p:sldId id="334" r:id="rId24"/>
+    <p:sldId id="335" r:id="rId25"/>
+    <p:sldId id="336" r:id="rId26"/>
+    <p:sldId id="360" r:id="rId27"/>
+    <p:sldId id="361" r:id="rId28"/>
+    <p:sldId id="362" r:id="rId29"/>
+    <p:sldId id="337" r:id="rId30"/>
+    <p:sldId id="352" r:id="rId31"/>
+    <p:sldId id="355" r:id="rId32"/>
+    <p:sldId id="363" r:id="rId33"/>
+    <p:sldId id="364" r:id="rId34"/>
+    <p:sldId id="365" r:id="rId35"/>
+    <p:sldId id="351" r:id="rId36"/>
+    <p:sldId id="338" r:id="rId37"/>
+    <p:sldId id="350" r:id="rId38"/>
+    <p:sldId id="349" r:id="rId39"/>
   </p:sldIdLst>
   <p:sldSz cx="9144000" cy="5143500" type="screen16x9"/>
   <p:notesSz cx="6669088" cy="9926638"/>
@@ -263,7 +262,7 @@
           <a:p>
             <a:fld id="{8C6004CA-E9E3-427C-A086-EAA89992CF63}" type="datetimeFigureOut">
               <a:rPr lang="de-DE" smtClean="0"/>
-              <a:t>12.01.2020</a:t>
+              <a:t>13.01.2020</a:t>
             </a:fld>
             <a:endParaRPr lang="de-DE"/>
           </a:p>
@@ -428,7 +427,7 @@
           <a:p>
             <a:fld id="{476508B5-6671-0946-9B48-476821C09FB8}" type="datetimeFigureOut">
               <a:rPr lang="de-DE" smtClean="0"/>
-              <a:t>12.01.2020</a:t>
+              <a:t>13.01.2020</a:t>
             </a:fld>
             <a:endParaRPr lang="de-DE"/>
           </a:p>
@@ -18703,8 +18702,8 @@
         </p:nvSpPr>
         <p:spPr>
           <a:xfrm>
-            <a:off x="352800" y="1139687"/>
-            <a:ext cx="8611813" cy="3496361"/>
+            <a:off x="352800" y="1016001"/>
+            <a:ext cx="8611813" cy="3620048"/>
           </a:xfrm>
         </p:spPr>
         <p:txBody>
@@ -18722,8 +18721,17 @@
             </a:pPr>
             <a:r>
               <a:rPr lang="en-US" dirty="0"/>
-              <a:t>{'headline’ : str,</a:t>
-            </a:r>
+              <a:t>{'headline’ : </a:t>
+            </a:r>
+            <a:r>
+              <a:rPr lang="en-US"/>
+              <a:t>str,		</a:t>
+            </a:r>
+            <a:r>
+              <a:rPr lang="en-US" i="1"/>
+              <a:t>Titel des Artikels</a:t>
+            </a:r>
+            <a:endParaRPr lang="en-US" i="1" dirty="0"/>
           </a:p>
           <a:p>
             <a:pPr marL="180000" lvl="1" indent="0">
@@ -18739,8 +18747,17 @@
             </a:r>
             <a:r>
               <a:rPr lang="en-US" dirty="0"/>
-              <a:t>’ : str,</a:t>
-            </a:r>
+              <a:t>’ : </a:t>
+            </a:r>
+            <a:r>
+              <a:rPr lang="en-US"/>
+              <a:t>str,	</a:t>
+            </a:r>
+            <a:r>
+              <a:rPr lang="en-US" i="1"/>
+              <a:t>Zusätzliche Info zum Titel</a:t>
+            </a:r>
+            <a:endParaRPr lang="en-US" i="1" dirty="0"/>
           </a:p>
           <a:p>
             <a:pPr marL="180000" lvl="1" indent="0">
@@ -18748,8 +18765,17 @@
             </a:pPr>
             <a:r>
               <a:rPr lang="en-US" dirty="0"/>
-              <a:t> 'date’ : str, </a:t>
-            </a:r>
+              <a:t> 'date’ : str</a:t>
+            </a:r>
+            <a:r>
+              <a:rPr lang="en-US"/>
+              <a:t>, 		</a:t>
+            </a:r>
+            <a:r>
+              <a:rPr lang="en-US" i="1"/>
+              <a:t>Datum</a:t>
+            </a:r>
+            <a:endParaRPr lang="en-US" i="1" dirty="0"/>
           </a:p>
           <a:p>
             <a:pPr marL="180000" lvl="1" indent="0">
@@ -18757,8 +18783,17 @@
             </a:pPr>
             <a:r>
               <a:rPr lang="en-US" dirty="0"/>
-              <a:t> 'time’ : str,</a:t>
-            </a:r>
+              <a:t> 'time’ : </a:t>
+            </a:r>
+            <a:r>
+              <a:rPr lang="en-US"/>
+              <a:t>str,		</a:t>
+            </a:r>
+            <a:r>
+              <a:rPr lang="en-US" i="1"/>
+              <a:t>Uhrzeit</a:t>
+            </a:r>
+            <a:endParaRPr lang="en-US" i="1" dirty="0"/>
           </a:p>
           <a:p>
             <a:pPr marL="180000" lvl="1" indent="0">
@@ -18766,8 +18801,17 @@
             </a:pPr>
             <a:r>
               <a:rPr lang="en-US" dirty="0"/>
-              <a:t> 'intro’: str,</a:t>
-            </a:r>
+              <a:t> 'intro’: </a:t>
+            </a:r>
+            <a:r>
+              <a:rPr lang="en-US"/>
+              <a:t>str,		</a:t>
+            </a:r>
+            <a:r>
+              <a:rPr lang="en-US" i="1"/>
+              <a:t>Kurzer Text, der das Thema des Artikels erläutert</a:t>
+            </a:r>
+            <a:endParaRPr lang="en-US" i="1" dirty="0"/>
           </a:p>
           <a:p>
             <a:pPr marL="180000" lvl="1" indent="0">
@@ -18775,8 +18819,17 @@
             </a:pPr>
             <a:r>
               <a:rPr lang="en-US" dirty="0"/>
-              <a:t> 'text’ : str, </a:t>
-            </a:r>
+              <a:t> 'text’ : str</a:t>
+            </a:r>
+            <a:r>
+              <a:rPr lang="en-US"/>
+              <a:t>, 		</a:t>
+            </a:r>
+            <a:r>
+              <a:rPr lang="en-US" i="1"/>
+              <a:t>Der ganze Artikeltext</a:t>
+            </a:r>
+            <a:endParaRPr lang="en-US" i="1" dirty="0"/>
           </a:p>
           <a:p>
             <a:pPr marL="180000" lvl="1" indent="0">
@@ -18784,8 +18837,17 @@
             </a:pPr>
             <a:r>
               <a:rPr lang="en-US" dirty="0"/>
-              <a:t> 'thread’ : list}</a:t>
-            </a:r>
+              <a:t> 'thread’ : </a:t>
+            </a:r>
+            <a:r>
+              <a:rPr lang="en-US"/>
+              <a:t>list}		</a:t>
+            </a:r>
+            <a:r>
+              <a:rPr lang="en-US" i="1"/>
+              <a:t>Kommentare (Liste)</a:t>
+            </a:r>
+            <a:endParaRPr lang="en-US" i="1" dirty="0"/>
           </a:p>
           <a:p>
             <a:pPr marL="180000" lvl="1" indent="0">
@@ -18992,10 +19054,10 @@
       </p:sp>
       <p:pic>
         <p:nvPicPr>
-          <p:cNvPr id="5" name="Grafik 4">
+          <p:cNvPr id="2" name="Grafik 1">
             <a:extLst>
               <a:ext uri="{FF2B5EF4-FFF2-40B4-BE49-F238E27FC236}">
-                <a16:creationId xmlns:a16="http://schemas.microsoft.com/office/drawing/2014/main" id="{65A11943-B28D-43E8-99A1-A04FB020CA0E}"/>
+                <a16:creationId xmlns:a16="http://schemas.microsoft.com/office/drawing/2014/main" id="{A706C457-DDAD-4864-96DC-4518AA5A3C91}"/>
               </a:ext>
             </a:extLst>
           </p:cNvPr>
@@ -19012,8 +19074,8 @@
         </p:blipFill>
         <p:spPr>
           <a:xfrm>
-            <a:off x="45027" y="2315007"/>
-            <a:ext cx="8077200" cy="2695575"/>
+            <a:off x="303270" y="2109787"/>
+            <a:ext cx="8067675" cy="2752725"/>
           </a:xfrm>
           <a:prstGeom prst="rect">
             <a:avLst/>
@@ -19023,7 +19085,7 @@
     </p:spTree>
     <p:extLst>
       <p:ext uri="{BB962C8B-B14F-4D97-AF65-F5344CB8AC3E}">
-        <p14:creationId xmlns:p14="http://schemas.microsoft.com/office/powerpoint/2010/main" val="3974966103"/>
+        <p14:creationId xmlns:p14="http://schemas.microsoft.com/office/powerpoint/2010/main" val="3868070032"/>
       </p:ext>
     </p:extLst>
   </p:cSld>
@@ -19096,17 +19158,17 @@
           <a:p>
             <a:r>
               <a:rPr lang="de-AT" dirty="0"/>
-              <a:t>Datenstruktur</a:t>
+              <a:t>Datenstruktur Beispiel</a:t>
             </a:r>
           </a:p>
         </p:txBody>
       </p:sp>
       <p:pic>
         <p:nvPicPr>
-          <p:cNvPr id="2" name="Grafik 1">
+          <p:cNvPr id="6" name="Рисунок 6">
             <a:extLst>
               <a:ext uri="{FF2B5EF4-FFF2-40B4-BE49-F238E27FC236}">
-                <a16:creationId xmlns:a16="http://schemas.microsoft.com/office/drawing/2014/main" id="{A706C457-DDAD-4864-96DC-4518AA5A3C91}"/>
+                <a16:creationId xmlns:a16="http://schemas.microsoft.com/office/drawing/2014/main" id="{B9BA29D0-38C4-4771-AF94-684011469215}"/>
               </a:ext>
             </a:extLst>
           </p:cNvPr>
@@ -19123,8 +19185,8 @@
         </p:blipFill>
         <p:spPr>
           <a:xfrm>
-            <a:off x="303270" y="2109787"/>
-            <a:ext cx="8067675" cy="2752725"/>
+            <a:off x="0" y="1385363"/>
+            <a:ext cx="8337920" cy="3758137"/>
           </a:xfrm>
           <a:prstGeom prst="rect">
             <a:avLst/>
@@ -19134,7 +19196,7 @@
     </p:spTree>
     <p:extLst>
       <p:ext uri="{BB962C8B-B14F-4D97-AF65-F5344CB8AC3E}">
-        <p14:creationId xmlns:p14="http://schemas.microsoft.com/office/powerpoint/2010/main" val="3868070032"/>
+        <p14:creationId xmlns:p14="http://schemas.microsoft.com/office/powerpoint/2010/main" val="2377293647"/>
       </p:ext>
     </p:extLst>
   </p:cSld>
@@ -19449,45 +19511,146 @@
           <a:p>
             <a:r>
               <a:rPr lang="de-AT" dirty="0"/>
-              <a:t>Datenstruktur Beispiel</a:t>
+              <a:t>Herausforderungen</a:t>
             </a:r>
           </a:p>
         </p:txBody>
       </p:sp>
-      <p:pic>
-        <p:nvPicPr>
-          <p:cNvPr id="6" name="Рисунок 6">
+      <p:sp>
+        <p:nvSpPr>
+          <p:cNvPr id="7" name="Textplatzhalter 6">
             <a:extLst>
               <a:ext uri="{FF2B5EF4-FFF2-40B4-BE49-F238E27FC236}">
-                <a16:creationId xmlns:a16="http://schemas.microsoft.com/office/drawing/2014/main" id="{B9BA29D0-38C4-4771-AF94-684011469215}"/>
+                <a16:creationId xmlns:a16="http://schemas.microsoft.com/office/drawing/2014/main" id="{B5238F99-1593-4FFD-8FE8-9271BA51DED6}"/>
               </a:ext>
             </a:extLst>
           </p:cNvPr>
-          <p:cNvPicPr>
-            <a:picLocks noChangeAspect="1"/>
-          </p:cNvPicPr>
-          <p:nvPr/>
-        </p:nvPicPr>
-        <p:blipFill>
-          <a:blip r:embed="rId3"/>
-          <a:stretch>
-            <a:fillRect/>
-          </a:stretch>
-        </p:blipFill>
+          <p:cNvSpPr>
+            <a:spLocks noGrp="1"/>
+          </p:cNvSpPr>
+          <p:nvPr>
+            <p:ph type="body" sz="quarter" idx="13"/>
+          </p:nvPr>
+        </p:nvSpPr>
         <p:spPr>
           <a:xfrm>
-            <a:off x="0" y="1385363"/>
-            <a:ext cx="8337920" cy="3758137"/>
+            <a:off x="352800" y="1139687"/>
+            <a:ext cx="8611813" cy="3496361"/>
           </a:xfrm>
-          <a:prstGeom prst="rect">
-            <a:avLst/>
-          </a:prstGeom>
         </p:spPr>
-      </p:pic>
+        <p:txBody>
+          <a:bodyPr/>
+          <a:lstStyle/>
+          <a:p>
+            <a:pPr marL="342900" indent="-342900">
+              <a:buFont typeface="Wingdings" panose="05000000000000000000" pitchFamily="2" charset="2"/>
+              <a:buChar char="§"/>
+            </a:pPr>
+            <a:r>
+              <a:rPr lang="en-US" sz="2100" dirty="0"/>
+              <a:t> </a:t>
+            </a:r>
+            <a:r>
+              <a:rPr lang="en-US" sz="2100" dirty="0" err="1"/>
+              <a:t>Leere</a:t>
+            </a:r>
+            <a:r>
+              <a:rPr lang="en-US" sz="2100" dirty="0"/>
+              <a:t> </a:t>
+            </a:r>
+            <a:r>
+              <a:rPr lang="en-US" sz="2100" dirty="0" err="1"/>
+              <a:t>Datens</a:t>
+            </a:r>
+            <a:r>
+              <a:rPr lang="de-DE" sz="2100" dirty="0"/>
+              <a:t>ätze (Websites mit anderer </a:t>
+            </a:r>
+            <a:r>
+              <a:rPr lang="de-DE" sz="2100" dirty="0" err="1"/>
+              <a:t>html</a:t>
+            </a:r>
+            <a:r>
+              <a:rPr lang="de-DE" sz="2100" dirty="0"/>
+              <a:t>-Struktur)</a:t>
+            </a:r>
+          </a:p>
+          <a:p>
+            <a:pPr marL="342900" indent="-342900">
+              <a:buFont typeface="Wingdings" panose="05000000000000000000" pitchFamily="2" charset="2"/>
+              <a:buChar char="§"/>
+            </a:pPr>
+            <a:r>
+              <a:rPr lang="de-DE" sz="2100" dirty="0"/>
+              <a:t> Sonderzeichen (z.B. Texte in Fremdsprachen)</a:t>
+            </a:r>
+          </a:p>
+          <a:p>
+            <a:pPr marL="342900" indent="-342900">
+              <a:buFont typeface="Wingdings" panose="05000000000000000000" pitchFamily="2" charset="2"/>
+              <a:buChar char="§"/>
+            </a:pPr>
+            <a:r>
+              <a:rPr lang="de-DE" sz="2100" dirty="0"/>
+              <a:t> Interaktive Grafiken im Text</a:t>
+            </a:r>
+          </a:p>
+          <a:p>
+            <a:pPr marL="342900" indent="-342900">
+              <a:buFont typeface="Wingdings" panose="05000000000000000000" pitchFamily="2" charset="2"/>
+              <a:buChar char="§"/>
+            </a:pPr>
+            <a:r>
+              <a:rPr lang="de-DE" sz="2100" dirty="0"/>
+              <a:t> Unvollständige Datensätze (kostenpflichtiger Inhalt)</a:t>
+            </a:r>
+            <a:endParaRPr lang="en-US" sz="2100" dirty="0"/>
+          </a:p>
+          <a:p>
+            <a:pPr marL="342900" indent="-342900">
+              <a:buFont typeface="Wingdings" panose="05000000000000000000" pitchFamily="2" charset="2"/>
+              <a:buChar char="§"/>
+            </a:pPr>
+            <a:r>
+              <a:rPr lang="en-US" sz="2100" dirty="0"/>
+              <a:t> </a:t>
+            </a:r>
+            <a:r>
+              <a:rPr lang="en-US" sz="2100" dirty="0" err="1"/>
+              <a:t>Keine</a:t>
+            </a:r>
+            <a:r>
+              <a:rPr lang="en-US" sz="2100" dirty="0"/>
+              <a:t> </a:t>
+            </a:r>
+            <a:r>
+              <a:rPr lang="en-US" sz="2100" dirty="0" err="1"/>
+              <a:t>Kommentare</a:t>
+            </a:r>
+            <a:r>
+              <a:rPr lang="en-US" sz="2100" dirty="0"/>
+              <a:t> und Intro </a:t>
+            </a:r>
+            <a:r>
+              <a:rPr lang="en-US" sz="2100" dirty="0" err="1"/>
+              <a:t>bei</a:t>
+            </a:r>
+            <a:r>
+              <a:rPr lang="en-US" sz="2100" dirty="0"/>
+              <a:t> Bild-</a:t>
+            </a:r>
+            <a:r>
+              <a:rPr lang="en-US" sz="2100" dirty="0" err="1"/>
+              <a:t>Artikeln</a:t>
+            </a:r>
+            <a:endParaRPr lang="en-US" dirty="0"/>
+          </a:p>
+        </p:txBody>
+      </p:sp>
     </p:spTree>
     <p:extLst>
       <p:ext uri="{BB962C8B-B14F-4D97-AF65-F5344CB8AC3E}">
-        <p14:creationId xmlns:p14="http://schemas.microsoft.com/office/powerpoint/2010/main" val="2377293647"/>
+        <p14:creationId xmlns:p14="http://schemas.microsoft.com/office/powerpoint/2010/main" val="269369635"/>
       </p:ext>
     </p:extLst>
   </p:cSld>
@@ -19501,6 +19664,89 @@
 </file>
 
 <file path=ppt/slides/slide21.xml><?xml version="1.0" encoding="utf-8"?>
+<p:sld xmlns:a="http://schemas.openxmlformats.org/drawingml/2006/main" xmlns:r="http://schemas.openxmlformats.org/officeDocument/2006/relationships" xmlns:p="http://schemas.openxmlformats.org/presentationml/2006/main">
+  <p:cSld>
+    <p:spTree>
+      <p:nvGrpSpPr>
+        <p:cNvPr id="1" name=""/>
+        <p:cNvGrpSpPr/>
+        <p:nvPr/>
+      </p:nvGrpSpPr>
+      <p:grpSpPr>
+        <a:xfrm>
+          <a:off x="0" y="0"/>
+          <a:ext cx="0" cy="0"/>
+          <a:chOff x="0" y="0"/>
+          <a:chExt cx="0" cy="0"/>
+        </a:xfrm>
+      </p:grpSpPr>
+      <p:sp>
+        <p:nvSpPr>
+          <p:cNvPr id="2" name="Textplatzhalter 1">
+            <a:extLst>
+              <a:ext uri="{FF2B5EF4-FFF2-40B4-BE49-F238E27FC236}">
+                <a16:creationId xmlns:a16="http://schemas.microsoft.com/office/drawing/2014/main" id="{4EB58963-3E6F-405A-808C-63935332F309}"/>
+              </a:ext>
+            </a:extLst>
+          </p:cNvPr>
+          <p:cNvSpPr>
+            <a:spLocks noGrp="1"/>
+          </p:cNvSpPr>
+          <p:nvPr>
+            <p:ph type="body" sz="quarter" idx="10"/>
+          </p:nvPr>
+        </p:nvSpPr>
+        <p:spPr/>
+        <p:txBody>
+          <a:bodyPr/>
+          <a:lstStyle/>
+          <a:p>
+            <a:endParaRPr lang="de-AT"/>
+          </a:p>
+        </p:txBody>
+      </p:sp>
+      <p:sp>
+        <p:nvSpPr>
+          <p:cNvPr id="3" name="Textplatzhalter 2">
+            <a:extLst>
+              <a:ext uri="{FF2B5EF4-FFF2-40B4-BE49-F238E27FC236}">
+                <a16:creationId xmlns:a16="http://schemas.microsoft.com/office/drawing/2014/main" id="{996B0C4C-E1FC-4797-A1C8-4CC1D36D4FE4}"/>
+              </a:ext>
+            </a:extLst>
+          </p:cNvPr>
+          <p:cNvSpPr>
+            <a:spLocks noGrp="1"/>
+          </p:cNvSpPr>
+          <p:nvPr>
+            <p:ph type="body" sz="quarter" idx="13"/>
+          </p:nvPr>
+        </p:nvSpPr>
+        <p:spPr/>
+        <p:txBody>
+          <a:bodyPr/>
+          <a:lstStyle/>
+          <a:p>
+            <a:endParaRPr lang="de-AT"/>
+          </a:p>
+        </p:txBody>
+      </p:sp>
+    </p:spTree>
+    <p:extLst>
+      <p:ext uri="{BB962C8B-B14F-4D97-AF65-F5344CB8AC3E}">
+        <p14:creationId xmlns:p14="http://schemas.microsoft.com/office/powerpoint/2010/main" val="2100883169"/>
+      </p:ext>
+    </p:extLst>
+  </p:cSld>
+  <p:clrMapOvr>
+    <a:masterClrMapping/>
+  </p:clrMapOvr>
+  <p:transition>
+    <p:fade/>
+  </p:transition>
+</p:sld>
+</file>
+
+<file path=ppt/slides/slide22.xml><?xml version="1.0" encoding="utf-8"?>
 <p:sld xmlns:a="http://schemas.openxmlformats.org/drawingml/2006/main" xmlns:r="http://schemas.openxmlformats.org/officeDocument/2006/relationships" xmlns:p="http://schemas.openxmlformats.org/presentationml/2006/main">
   <p:cSld>
     <p:bg>
@@ -19560,8 +19806,13 @@
           <a:p>
             <a:r>
               <a:rPr lang="de-AT" dirty="0"/>
-              <a:t>Herausforderungen</a:t>
-            </a:r>
+              <a:t>Sentiment Analyse </a:t>
+            </a:r>
+            <a:r>
+              <a:rPr lang="de-AT" dirty="0" err="1"/>
+              <a:t>TextBlob</a:t>
+            </a:r>
+            <a:endParaRPr lang="de-AT" dirty="0"/>
           </a:p>
         </p:txBody>
       </p:sp>
@@ -19596,32 +19847,36 @@
               <a:buChar char="§"/>
             </a:pPr>
             <a:r>
-              <a:rPr lang="en-US" sz="2100" dirty="0"/>
+              <a:rPr lang="de-AT" sz="2100" dirty="0" err="1"/>
+              <a:t>TextBlob</a:t>
+            </a:r>
+            <a:r>
+              <a:rPr lang="de-AT" sz="2100" dirty="0"/>
+              <a:t> ist die Basis für </a:t>
+            </a:r>
+            <a:r>
+              <a:rPr lang="de-AT" sz="2100" dirty="0" err="1"/>
+              <a:t>natural</a:t>
+            </a:r>
+            <a:r>
+              <a:rPr lang="de-AT" sz="2100" dirty="0"/>
               <a:t> </a:t>
             </a:r>
             <a:r>
-              <a:rPr lang="en-US" sz="2100" dirty="0" err="1"/>
-              <a:t>Leere</a:t>
-            </a:r>
-            <a:r>
-              <a:rPr lang="en-US" sz="2100" dirty="0"/>
+              <a:rPr lang="de-AT" sz="2100" dirty="0" err="1"/>
+              <a:t>language</a:t>
+            </a:r>
+            <a:r>
+              <a:rPr lang="de-AT" sz="2100" dirty="0"/>
               <a:t> </a:t>
             </a:r>
             <a:r>
-              <a:rPr lang="en-US" sz="2100" dirty="0" err="1"/>
-              <a:t>Datens</a:t>
-            </a:r>
-            <a:r>
-              <a:rPr lang="de-DE" sz="2100" dirty="0"/>
-              <a:t>ätze (Websites mit anderer </a:t>
-            </a:r>
-            <a:r>
-              <a:rPr lang="de-DE" sz="2100" dirty="0" err="1"/>
-              <a:t>html</a:t>
-            </a:r>
-            <a:r>
-              <a:rPr lang="de-DE" sz="2100" dirty="0"/>
-              <a:t>-Struktur)</a:t>
+              <a:rPr lang="de-AT" sz="2100" dirty="0" err="1"/>
+              <a:t>processing</a:t>
+            </a:r>
+            <a:r>
+              <a:rPr lang="de-AT" sz="2100" dirty="0"/>
+              <a:t> (NLP) mit Python</a:t>
             </a:r>
           </a:p>
           <a:p>
@@ -19630,8 +19885,8 @@
               <a:buChar char="§"/>
             </a:pPr>
             <a:r>
-              <a:rPr lang="de-DE" sz="2100" dirty="0"/>
-              <a:t> Sonderzeichen (z.B. Texte in Fremdsprachen)</a:t>
+              <a:rPr lang="de-AT" sz="2100" dirty="0"/>
+              <a:t>für Python 2 als auch 3 verfügbar</a:t>
             </a:r>
           </a:p>
           <a:p>
@@ -19640,8 +19895,8 @@
               <a:buChar char="§"/>
             </a:pPr>
             <a:r>
-              <a:rPr lang="de-DE" sz="2100" dirty="0"/>
-              <a:t> Interaktive Grafiken im Text</a:t>
+              <a:rPr lang="de-AT" sz="2100" dirty="0"/>
+              <a:t>Ansätze, wie Erkennen von Wortarten, Extraktion von Substantiven, Stimmungsanalyse und auch Klassifizierungen möglich </a:t>
             </a:r>
           </a:p>
           <a:p>
@@ -19650,144 +19905,25 @@
               <a:buChar char="§"/>
             </a:pPr>
             <a:r>
-              <a:rPr lang="de-DE" sz="2100" dirty="0"/>
-              <a:t> Unvollständige Datensätze (kostenpflichtiger Inhalt)</a:t>
-            </a:r>
-            <a:endParaRPr lang="en-US" sz="2100" dirty="0"/>
-          </a:p>
-          <a:p>
-            <a:pPr marL="342900" indent="-342900">
-              <a:buFont typeface="Wingdings" panose="05000000000000000000" pitchFamily="2" charset="2"/>
-              <a:buChar char="§"/>
-            </a:pPr>
-            <a:r>
-              <a:rPr lang="en-US" sz="2100" dirty="0"/>
-              <a:t> </a:t>
-            </a:r>
-            <a:r>
-              <a:rPr lang="en-US" sz="2100" dirty="0" err="1"/>
-              <a:t>Keine</a:t>
-            </a:r>
-            <a:r>
-              <a:rPr lang="en-US" sz="2100" dirty="0"/>
-              <a:t> </a:t>
-            </a:r>
-            <a:r>
-              <a:rPr lang="en-US" sz="2100" dirty="0" err="1"/>
-              <a:t>Kommentare</a:t>
-            </a:r>
-            <a:r>
-              <a:rPr lang="en-US" sz="2100" dirty="0"/>
-              <a:t> und Intro </a:t>
-            </a:r>
-            <a:r>
-              <a:rPr lang="en-US" sz="2100" dirty="0" err="1"/>
-              <a:t>bei</a:t>
-            </a:r>
-            <a:r>
-              <a:rPr lang="en-US" sz="2100" dirty="0"/>
-              <a:t> Bild-</a:t>
-            </a:r>
-            <a:r>
-              <a:rPr lang="en-US" sz="2100" dirty="0" err="1"/>
-              <a:t>Artikeln</a:t>
-            </a:r>
-            <a:endParaRPr lang="en-US" dirty="0"/>
+              <a:rPr lang="de-AT" sz="2100" dirty="0" err="1"/>
+              <a:t>TextBlob</a:t>
+            </a:r>
+            <a:r>
+              <a:rPr lang="de-AT" sz="2100" dirty="0"/>
+              <a:t>-de ist die Erweiterung zur Untersuchung von deutschen Texten</a:t>
+            </a:r>
           </a:p>
         </p:txBody>
       </p:sp>
     </p:spTree>
     <p:extLst>
       <p:ext uri="{BB962C8B-B14F-4D97-AF65-F5344CB8AC3E}">
-        <p14:creationId xmlns:p14="http://schemas.microsoft.com/office/powerpoint/2010/main" val="269369635"/>
+        <p14:creationId xmlns:p14="http://schemas.microsoft.com/office/powerpoint/2010/main" val="2827623164"/>
       </p:ext>
     </p:extLst>
   </p:cSld>
   <p:clrMapOvr>
     <a:overrideClrMapping bg1="lt1" tx1="dk1" bg2="lt2" tx2="dk2" accent1="accent1" accent2="accent2" accent3="accent3" accent4="accent4" accent5="accent5" accent6="accent6" hlink="hlink" folHlink="folHlink"/>
-  </p:clrMapOvr>
-  <p:transition>
-    <p:fade/>
-  </p:transition>
-</p:sld>
-</file>
-
-<file path=ppt/slides/slide22.xml><?xml version="1.0" encoding="utf-8"?>
-<p:sld xmlns:a="http://schemas.openxmlformats.org/drawingml/2006/main" xmlns:r="http://schemas.openxmlformats.org/officeDocument/2006/relationships" xmlns:p="http://schemas.openxmlformats.org/presentationml/2006/main">
-  <p:cSld>
-    <p:spTree>
-      <p:nvGrpSpPr>
-        <p:cNvPr id="1" name=""/>
-        <p:cNvGrpSpPr/>
-        <p:nvPr/>
-      </p:nvGrpSpPr>
-      <p:grpSpPr>
-        <a:xfrm>
-          <a:off x="0" y="0"/>
-          <a:ext cx="0" cy="0"/>
-          <a:chOff x="0" y="0"/>
-          <a:chExt cx="0" cy="0"/>
-        </a:xfrm>
-      </p:grpSpPr>
-      <p:sp>
-        <p:nvSpPr>
-          <p:cNvPr id="2" name="Textplatzhalter 1">
-            <a:extLst>
-              <a:ext uri="{FF2B5EF4-FFF2-40B4-BE49-F238E27FC236}">
-                <a16:creationId xmlns:a16="http://schemas.microsoft.com/office/drawing/2014/main" id="{4EB58963-3E6F-405A-808C-63935332F309}"/>
-              </a:ext>
-            </a:extLst>
-          </p:cNvPr>
-          <p:cNvSpPr>
-            <a:spLocks noGrp="1"/>
-          </p:cNvSpPr>
-          <p:nvPr>
-            <p:ph type="body" sz="quarter" idx="10"/>
-          </p:nvPr>
-        </p:nvSpPr>
-        <p:spPr/>
-        <p:txBody>
-          <a:bodyPr/>
-          <a:lstStyle/>
-          <a:p>
-            <a:endParaRPr lang="de-AT"/>
-          </a:p>
-        </p:txBody>
-      </p:sp>
-      <p:sp>
-        <p:nvSpPr>
-          <p:cNvPr id="3" name="Textplatzhalter 2">
-            <a:extLst>
-              <a:ext uri="{FF2B5EF4-FFF2-40B4-BE49-F238E27FC236}">
-                <a16:creationId xmlns:a16="http://schemas.microsoft.com/office/drawing/2014/main" id="{996B0C4C-E1FC-4797-A1C8-4CC1D36D4FE4}"/>
-              </a:ext>
-            </a:extLst>
-          </p:cNvPr>
-          <p:cNvSpPr>
-            <a:spLocks noGrp="1"/>
-          </p:cNvSpPr>
-          <p:nvPr>
-            <p:ph type="body" sz="quarter" idx="13"/>
-          </p:nvPr>
-        </p:nvSpPr>
-        <p:spPr/>
-        <p:txBody>
-          <a:bodyPr/>
-          <a:lstStyle/>
-          <a:p>
-            <a:endParaRPr lang="de-AT"/>
-          </a:p>
-        </p:txBody>
-      </p:sp>
-    </p:spTree>
-    <p:extLst>
-      <p:ext uri="{BB962C8B-B14F-4D97-AF65-F5344CB8AC3E}">
-        <p14:creationId xmlns:p14="http://schemas.microsoft.com/office/powerpoint/2010/main" val="2100883169"/>
-      </p:ext>
-    </p:extLst>
-  </p:cSld>
-  <p:clrMapOvr>
-    <a:masterClrMapping/>
   </p:clrMapOvr>
   <p:transition>
     <p:fade/>
@@ -19854,14 +19990,13 @@
           <a:lstStyle/>
           <a:p>
             <a:r>
-              <a:rPr lang="de-AT" dirty="0"/>
-              <a:t>Sentiment Analyse </a:t>
-            </a:r>
-            <a:r>
               <a:rPr lang="de-AT" dirty="0" err="1"/>
               <a:t>TextBlob</a:t>
             </a:r>
-            <a:endParaRPr lang="de-AT" dirty="0"/>
+            <a:r>
+              <a:rPr lang="de-AT" dirty="0"/>
+              <a:t> Allgemeines</a:t>
+            </a:r>
           </a:p>
         </p:txBody>
       </p:sp>
@@ -19901,31 +20036,7 @@
             </a:r>
             <a:r>
               <a:rPr lang="de-AT" sz="2100" dirty="0"/>
-              <a:t> ist die Basis für </a:t>
-            </a:r>
-            <a:r>
-              <a:rPr lang="de-AT" sz="2100" dirty="0" err="1"/>
-              <a:t>natural</a:t>
-            </a:r>
-            <a:r>
-              <a:rPr lang="de-AT" sz="2100" dirty="0"/>
-              <a:t> </a:t>
-            </a:r>
-            <a:r>
-              <a:rPr lang="de-AT" sz="2100" dirty="0" err="1"/>
-              <a:t>language</a:t>
-            </a:r>
-            <a:r>
-              <a:rPr lang="de-AT" sz="2100" dirty="0"/>
-              <a:t> </a:t>
-            </a:r>
-            <a:r>
-              <a:rPr lang="de-AT" sz="2100" dirty="0" err="1"/>
-              <a:t>processing</a:t>
-            </a:r>
-            <a:r>
-              <a:rPr lang="de-AT" sz="2100" dirty="0"/>
-              <a:t> (NLP) mit Python</a:t>
+              <a:t>-Objekte können wie Python-Zeichenketten behandelt werden, die gelernt haben, wie man Natural Language Processing macht.</a:t>
             </a:r>
           </a:p>
           <a:p>
@@ -19935,39 +20046,106 @@
             </a:pPr>
             <a:r>
               <a:rPr lang="de-AT" sz="2100" dirty="0"/>
-              <a:t>für Python 2 als auch 3 verfügbar</a:t>
-            </a:r>
-          </a:p>
-          <a:p>
-            <a:pPr marL="342900" indent="-342900">
+              <a:t>Wesentliche </a:t>
+            </a:r>
+            <a:r>
+              <a:rPr lang="de-AT" sz="2100" dirty="0" err="1"/>
+              <a:t>TextBlob</a:t>
+            </a:r>
+            <a:r>
+              <a:rPr lang="de-AT" sz="2100" dirty="0"/>
+              <a:t> Objekte:</a:t>
+            </a:r>
+          </a:p>
+          <a:p>
+            <a:pPr marL="954450" lvl="2" indent="-342900">
               <a:buFont typeface="Wingdings" panose="05000000000000000000" pitchFamily="2" charset="2"/>
               <a:buChar char="§"/>
             </a:pPr>
             <a:r>
-              <a:rPr lang="de-AT" sz="2100" dirty="0"/>
-              <a:t>Ansätze, wie Erkennen von Wortarten, Extraktion von Substantiven, Stimmungsanalyse und auch Klassifizierungen möglich </a:t>
-            </a:r>
-          </a:p>
-          <a:p>
-            <a:pPr marL="342900" indent="-342900">
+              <a:rPr lang="de-AT" sz="2000" dirty="0" err="1"/>
+              <a:t>blob.sentences</a:t>
+            </a:r>
+            <a:r>
+              <a:rPr lang="de-AT" sz="2000" dirty="0"/>
+              <a:t> =&gt; Anzeige der einzelnen Sätze aus einem Text</a:t>
+            </a:r>
+          </a:p>
+          <a:p>
+            <a:pPr marL="954450" lvl="2" indent="-342900">
               <a:buFont typeface="Wingdings" panose="05000000000000000000" pitchFamily="2" charset="2"/>
               <a:buChar char="§"/>
             </a:pPr>
             <a:r>
-              <a:rPr lang="de-AT" sz="2100" dirty="0" err="1"/>
-              <a:t>TextBlob</a:t>
-            </a:r>
-            <a:r>
-              <a:rPr lang="de-AT" sz="2100" dirty="0"/>
-              <a:t>-de ist die Erweiterung zur Untersuchung von deutschen Texten</a:t>
-            </a:r>
+              <a:rPr lang="de-AT" sz="2000" dirty="0" err="1"/>
+              <a:t>blob.tokens</a:t>
+            </a:r>
+            <a:r>
+              <a:rPr lang="de-AT" sz="2000" dirty="0"/>
+              <a:t> =&gt; Anzeige der einzelnen Wörter</a:t>
+            </a:r>
+          </a:p>
+          <a:p>
+            <a:pPr marL="954450" lvl="2" indent="-342900">
+              <a:buFont typeface="Wingdings" panose="05000000000000000000" pitchFamily="2" charset="2"/>
+              <a:buChar char="§"/>
+            </a:pPr>
+            <a:r>
+              <a:rPr lang="de-AT" sz="2000" dirty="0" err="1"/>
+              <a:t>blob.tags</a:t>
+            </a:r>
+            <a:r>
+              <a:rPr lang="de-AT" sz="2000" dirty="0"/>
+              <a:t> =&gt; Anzeige der Wortarten</a:t>
+            </a:r>
+          </a:p>
+          <a:p>
+            <a:pPr marL="954450" lvl="2" indent="-342900">
+              <a:buFont typeface="Wingdings" panose="05000000000000000000" pitchFamily="2" charset="2"/>
+              <a:buChar char="§"/>
+            </a:pPr>
+            <a:r>
+              <a:rPr lang="de-AT" sz="2000" dirty="0" err="1"/>
+              <a:t>blob.noun_phrases</a:t>
+            </a:r>
+            <a:r>
+              <a:rPr lang="de-AT" sz="2000" dirty="0"/>
+              <a:t> =&gt;  Zusammenfassung von zusammenhängenden Wörtern</a:t>
+            </a:r>
+          </a:p>
+          <a:p>
+            <a:pPr marL="954450" lvl="2" indent="-342900">
+              <a:buFont typeface="Wingdings" panose="05000000000000000000" pitchFamily="2" charset="2"/>
+              <a:buChar char="§"/>
+            </a:pPr>
+            <a:r>
+              <a:rPr lang="de-AT" sz="2000" dirty="0" err="1"/>
+              <a:t>blob.sentiment</a:t>
+            </a:r>
+            <a:r>
+              <a:rPr lang="de-AT" sz="2000" dirty="0"/>
+              <a:t> =&gt; ermittelt </a:t>
+            </a:r>
+            <a:r>
+              <a:rPr lang="de-AT" sz="2000" dirty="0" err="1"/>
+              <a:t>Polarity</a:t>
+            </a:r>
+            <a:r>
+              <a:rPr lang="de-AT" sz="2000" dirty="0"/>
+              <a:t> und </a:t>
+            </a:r>
+            <a:r>
+              <a:rPr lang="de-AT" sz="2000" dirty="0" err="1"/>
+              <a:t>Subjectivity</a:t>
+            </a:r>
+            <a:endParaRPr lang="de-AT" sz="2000" dirty="0"/>
           </a:p>
         </p:txBody>
       </p:sp>
     </p:spTree>
     <p:extLst>
       <p:ext uri="{BB962C8B-B14F-4D97-AF65-F5344CB8AC3E}">
-        <p14:creationId xmlns:p14="http://schemas.microsoft.com/office/powerpoint/2010/main" val="2827623164"/>
+        <p14:creationId xmlns:p14="http://schemas.microsoft.com/office/powerpoint/2010/main" val="10313449"/>
       </p:ext>
     </p:extLst>
   </p:cSld>
@@ -20044,7 +20222,7 @@
             </a:r>
             <a:r>
               <a:rPr lang="de-AT" dirty="0"/>
-              <a:t> Allgemeines</a:t>
+              <a:t> Output Sentiment</a:t>
             </a:r>
           </a:p>
         </p:txBody>
@@ -20075,126 +20253,127 @@
           <a:bodyPr/>
           <a:lstStyle/>
           <a:p>
-            <a:pPr marL="342900" indent="-342900">
-              <a:buFont typeface="Wingdings" panose="05000000000000000000" pitchFamily="2" charset="2"/>
-              <a:buChar char="§"/>
-            </a:pPr>
-            <a:r>
-              <a:rPr lang="de-AT" sz="2100" dirty="0" err="1"/>
+            <a:pPr algn="just"/>
+            <a:r>
+              <a:rPr lang="de-AT" sz="2400" dirty="0" err="1"/>
               <a:t>TextBlob</a:t>
             </a:r>
             <a:r>
-              <a:rPr lang="de-AT" sz="2100" dirty="0"/>
-              <a:t>-Objekte können wie Python-Zeichenketten behandelt werden, die gelernt haben, wie man Natural Language Processing macht.</a:t>
-            </a:r>
-          </a:p>
-          <a:p>
-            <a:pPr marL="342900" indent="-342900">
-              <a:buFont typeface="Wingdings" panose="05000000000000000000" pitchFamily="2" charset="2"/>
-              <a:buChar char="§"/>
-            </a:pPr>
-            <a:r>
-              <a:rPr lang="de-AT" sz="2100" dirty="0"/>
-              <a:t>Wesentliche </a:t>
-            </a:r>
-            <a:r>
-              <a:rPr lang="de-AT" sz="2100" dirty="0" err="1"/>
-              <a:t>TextBlob</a:t>
-            </a:r>
-            <a:r>
-              <a:rPr lang="de-AT" sz="2100" dirty="0"/>
-              <a:t> Objekte:</a:t>
-            </a:r>
-          </a:p>
-          <a:p>
-            <a:pPr marL="954450" lvl="2" indent="-342900">
-              <a:buFont typeface="Wingdings" panose="05000000000000000000" pitchFamily="2" charset="2"/>
-              <a:buChar char="§"/>
-            </a:pPr>
-            <a:r>
-              <a:rPr lang="de-AT" sz="2000" dirty="0" err="1"/>
-              <a:t>blob.sentences</a:t>
-            </a:r>
-            <a:r>
-              <a:rPr lang="de-AT" sz="2000" dirty="0"/>
-              <a:t> =&gt; Anzeige der einzelnen Sätze aus einem Text</a:t>
-            </a:r>
-          </a:p>
-          <a:p>
-            <a:pPr marL="954450" lvl="2" indent="-342900">
-              <a:buFont typeface="Wingdings" panose="05000000000000000000" pitchFamily="2" charset="2"/>
-              <a:buChar char="§"/>
-            </a:pPr>
-            <a:r>
-              <a:rPr lang="de-AT" sz="2000" dirty="0" err="1"/>
-              <a:t>blob.tokens</a:t>
-            </a:r>
-            <a:r>
-              <a:rPr lang="de-AT" sz="2000" dirty="0"/>
-              <a:t> =&gt; Anzeige der einzelnen Wörter</a:t>
-            </a:r>
-          </a:p>
-          <a:p>
-            <a:pPr marL="954450" lvl="2" indent="-342900">
-              <a:buFont typeface="Wingdings" panose="05000000000000000000" pitchFamily="2" charset="2"/>
-              <a:buChar char="§"/>
-            </a:pPr>
-            <a:r>
-              <a:rPr lang="de-AT" sz="2000" dirty="0" err="1"/>
-              <a:t>blob.tags</a:t>
-            </a:r>
-            <a:r>
-              <a:rPr lang="de-AT" sz="2000" dirty="0"/>
-              <a:t> =&gt; Anzeige der Wortarten</a:t>
-            </a:r>
-          </a:p>
-          <a:p>
-            <a:pPr marL="954450" lvl="2" indent="-342900">
-              <a:buFont typeface="Wingdings" panose="05000000000000000000" pitchFamily="2" charset="2"/>
-              <a:buChar char="§"/>
-            </a:pPr>
-            <a:r>
-              <a:rPr lang="de-AT" sz="2000" dirty="0" err="1"/>
-              <a:t>blob.noun_phrases</a:t>
-            </a:r>
-            <a:r>
-              <a:rPr lang="de-AT" sz="2000" dirty="0"/>
-              <a:t> =&gt;  Zusammenfassung von zusammenhängenden Wörtern</a:t>
-            </a:r>
-          </a:p>
-          <a:p>
-            <a:pPr marL="954450" lvl="2" indent="-342900">
-              <a:buFont typeface="Wingdings" panose="05000000000000000000" pitchFamily="2" charset="2"/>
-              <a:buChar char="§"/>
-            </a:pPr>
-            <a:r>
-              <a:rPr lang="de-AT" sz="2000" dirty="0" err="1"/>
-              <a:t>blob.sentiment</a:t>
-            </a:r>
-            <a:r>
-              <a:rPr lang="de-AT" sz="2000" dirty="0"/>
-              <a:t> =&gt; ermittelt </a:t>
-            </a:r>
-            <a:r>
-              <a:rPr lang="de-AT" sz="2000" dirty="0" err="1"/>
+              <a:rPr lang="de-AT" sz="2400" dirty="0"/>
+              <a:t> </a:t>
+            </a:r>
+            <a:r>
+              <a:rPr lang="de-AT" sz="2400" dirty="0" err="1"/>
+              <a:t>sentiment</a:t>
+            </a:r>
+            <a:r>
+              <a:rPr lang="de-AT" sz="2400" dirty="0"/>
+              <a:t> liefert ein </a:t>
+            </a:r>
+            <a:r>
+              <a:rPr lang="de-AT" sz="2400" dirty="0" err="1"/>
+              <a:t>namedtuple</a:t>
+            </a:r>
+            <a:r>
+              <a:rPr lang="de-AT" sz="2400" dirty="0"/>
+              <a:t> der Form Sentiment(</a:t>
+            </a:r>
+            <a:r>
+              <a:rPr lang="de-AT" sz="2400" dirty="0" err="1"/>
+              <a:t>polarity</a:t>
+            </a:r>
+            <a:r>
+              <a:rPr lang="de-AT" sz="2400" dirty="0"/>
+              <a:t>, </a:t>
+            </a:r>
+            <a:r>
+              <a:rPr lang="de-AT" sz="2400" dirty="0" err="1"/>
+              <a:t>subjectivity</a:t>
+            </a:r>
+            <a:r>
+              <a:rPr lang="de-AT" sz="2400" dirty="0"/>
+              <a:t>)</a:t>
+            </a:r>
+          </a:p>
+          <a:p>
+            <a:pPr algn="just"/>
+            <a:r>
+              <a:rPr lang="de-AT" sz="2400" b="1" dirty="0"/>
+              <a:t>						</a:t>
+            </a:r>
+            <a:r>
+              <a:rPr lang="de-AT" sz="2400" b="1" dirty="0" err="1"/>
               <a:t>Polarity</a:t>
             </a:r>
             <a:r>
-              <a:rPr lang="de-AT" sz="2000" dirty="0"/>
-              <a:t> und </a:t>
-            </a:r>
-            <a:r>
-              <a:rPr lang="de-AT" sz="2000" dirty="0" err="1"/>
+              <a:rPr lang="de-AT" sz="2400" dirty="0"/>
+              <a:t> oder Sentiment score: gibt 						an wie positiv/negativ ein 								Wort/Text ist </a:t>
+            </a:r>
+          </a:p>
+          <a:p>
+            <a:pPr algn="just"/>
+            <a:r>
+              <a:rPr lang="de-AT" sz="2400" b="1" dirty="0"/>
+              <a:t>						</a:t>
+            </a:r>
+            <a:r>
+              <a:rPr lang="de-AT" sz="2400" b="1" dirty="0" err="1"/>
               <a:t>Subjectivity</a:t>
             </a:r>
-            <a:endParaRPr lang="de-AT" sz="2000" dirty="0"/>
+            <a:r>
+              <a:rPr lang="de-AT" sz="2400" dirty="0"/>
+              <a:t> gibt an wie 								meinungsbildend ein Wort/ Text ist</a:t>
+            </a:r>
+          </a:p>
+          <a:p>
+            <a:pPr algn="just"/>
+            <a:r>
+              <a:rPr lang="de-AT" sz="2400" dirty="0"/>
+              <a:t>							</a:t>
+            </a:r>
           </a:p>
         </p:txBody>
       </p:sp>
+      <p:pic>
+        <p:nvPicPr>
+          <p:cNvPr id="4" name="Grafik 3">
+            <a:extLst>
+              <a:ext uri="{FF2B5EF4-FFF2-40B4-BE49-F238E27FC236}">
+                <a16:creationId xmlns:a16="http://schemas.microsoft.com/office/drawing/2014/main" id="{1137E315-6403-40EB-A9BB-F58C96571AC4}"/>
+              </a:ext>
+            </a:extLst>
+          </p:cNvPr>
+          <p:cNvPicPr>
+            <a:picLocks noChangeAspect="1"/>
+          </p:cNvPicPr>
+          <p:nvPr/>
+        </p:nvPicPr>
+        <p:blipFill>
+          <a:blip r:embed="rId3">
+            <a:extLst>
+              <a:ext uri="{28A0092B-C50C-407E-A947-70E740481C1C}">
+                <a14:useLocalDpi xmlns:a14="http://schemas.microsoft.com/office/drawing/2010/main" val="0"/>
+              </a:ext>
+            </a:extLst>
+          </a:blip>
+          <a:stretch>
+            <a:fillRect/>
+          </a:stretch>
+        </p:blipFill>
+        <p:spPr>
+          <a:xfrm>
+            <a:off x="352801" y="2309896"/>
+            <a:ext cx="2986748" cy="2632238"/>
+          </a:xfrm>
+          <a:prstGeom prst="rect">
+            <a:avLst/>
+          </a:prstGeom>
+        </p:spPr>
+      </p:pic>
     </p:spTree>
     <p:extLst>
       <p:ext uri="{BB962C8B-B14F-4D97-AF65-F5344CB8AC3E}">
-        <p14:creationId xmlns:p14="http://schemas.microsoft.com/office/powerpoint/2010/main" val="10313449"/>
+        <p14:creationId xmlns:p14="http://schemas.microsoft.com/office/powerpoint/2010/main" val="2452086353"/>
       </p:ext>
     </p:extLst>
   </p:cSld>
@@ -20267,118 +20446,11 @@
           <a:p>
             <a:r>
               <a:rPr lang="de-AT" dirty="0" err="1"/>
-              <a:t>TextBlob</a:t>
+              <a:t>Deskritpive</a:t>
             </a:r>
             <a:r>
               <a:rPr lang="de-AT" dirty="0"/>
-              <a:t> Output Sentiment</a:t>
-            </a:r>
-          </a:p>
-        </p:txBody>
-      </p:sp>
-      <p:sp>
-        <p:nvSpPr>
-          <p:cNvPr id="7" name="Textplatzhalter 6">
-            <a:extLst>
-              <a:ext uri="{FF2B5EF4-FFF2-40B4-BE49-F238E27FC236}">
-                <a16:creationId xmlns:a16="http://schemas.microsoft.com/office/drawing/2014/main" id="{B5238F99-1593-4FFD-8FE8-9271BA51DED6}"/>
-              </a:ext>
-            </a:extLst>
-          </p:cNvPr>
-          <p:cNvSpPr>
-            <a:spLocks noGrp="1"/>
-          </p:cNvSpPr>
-          <p:nvPr>
-            <p:ph type="body" sz="quarter" idx="13"/>
-          </p:nvPr>
-        </p:nvSpPr>
-        <p:spPr>
-          <a:xfrm>
-            <a:off x="352800" y="1139687"/>
-            <a:ext cx="8611813" cy="3496361"/>
-          </a:xfrm>
-        </p:spPr>
-        <p:txBody>
-          <a:bodyPr/>
-          <a:lstStyle/>
-          <a:p>
-            <a:pPr algn="just"/>
-            <a:r>
-              <a:rPr lang="de-AT" sz="2400" dirty="0" err="1"/>
-              <a:t>TextBlob</a:t>
-            </a:r>
-            <a:r>
-              <a:rPr lang="de-AT" sz="2400" dirty="0"/>
-              <a:t> </a:t>
-            </a:r>
-            <a:r>
-              <a:rPr lang="de-AT" sz="2400" dirty="0" err="1"/>
-              <a:t>sentiment</a:t>
-            </a:r>
-            <a:r>
-              <a:rPr lang="de-AT" sz="2400" dirty="0"/>
-              <a:t> liefert ein </a:t>
-            </a:r>
-            <a:r>
-              <a:rPr lang="de-AT" sz="2400" dirty="0" err="1"/>
-              <a:t>namedtuple</a:t>
-            </a:r>
-            <a:r>
-              <a:rPr lang="de-AT" sz="2400" dirty="0"/>
-              <a:t> der Form Sentiment(</a:t>
-            </a:r>
-            <a:r>
-              <a:rPr lang="de-AT" sz="2400" dirty="0" err="1"/>
-              <a:t>polarity</a:t>
-            </a:r>
-            <a:r>
-              <a:rPr lang="de-AT" sz="2400" dirty="0"/>
-              <a:t>, </a:t>
-            </a:r>
-            <a:r>
-              <a:rPr lang="de-AT" sz="2400" dirty="0" err="1"/>
-              <a:t>subjectivity</a:t>
-            </a:r>
-            <a:r>
-              <a:rPr lang="de-AT" sz="2400" dirty="0"/>
-              <a:t>)</a:t>
-            </a:r>
-          </a:p>
-          <a:p>
-            <a:pPr algn="just"/>
-            <a:r>
-              <a:rPr lang="de-AT" sz="2400" b="1" dirty="0"/>
-              <a:t>						</a:t>
-            </a:r>
-            <a:r>
-              <a:rPr lang="de-AT" sz="2400" b="1" dirty="0" err="1"/>
-              <a:t>Polarity</a:t>
-            </a:r>
-            <a:r>
-              <a:rPr lang="de-AT" sz="2400" dirty="0"/>
-              <a:t> oder Sentiment score: gibt 						an wie positiv/negativ ein 								Wort/Text ist </a:t>
-            </a:r>
-          </a:p>
-          <a:p>
-            <a:pPr algn="just"/>
-            <a:r>
-              <a:rPr lang="de-AT" sz="2400" b="1" dirty="0"/>
-              <a:t>						</a:t>
-            </a:r>
-            <a:r>
-              <a:rPr lang="de-AT" sz="2400" b="1" dirty="0" err="1"/>
-              <a:t>Subjectivity</a:t>
-            </a:r>
-            <a:r>
-              <a:rPr lang="de-AT" sz="2400" dirty="0"/>
-              <a:t> gibt an wie 								meinungsbildend ein Wort/ Text ist</a:t>
-            </a:r>
-          </a:p>
-          <a:p>
-            <a:pPr algn="just"/>
-            <a:r>
-              <a:rPr lang="de-AT" sz="2400" dirty="0"/>
-              <a:t>							</a:t>
+              <a:t> Werte Spiegel Artikel</a:t>
             </a:r>
           </a:p>
         </p:txBody>
@@ -20388,7 +20460,7 @@
           <p:cNvPr id="4" name="Grafik 3">
             <a:extLst>
               <a:ext uri="{FF2B5EF4-FFF2-40B4-BE49-F238E27FC236}">
-                <a16:creationId xmlns:a16="http://schemas.microsoft.com/office/drawing/2014/main" id="{1137E315-6403-40EB-A9BB-F58C96571AC4}"/>
+                <a16:creationId xmlns:a16="http://schemas.microsoft.com/office/drawing/2014/main" id="{6EFF659C-6472-4A4F-9F6B-011DB366C44B}"/>
               </a:ext>
             </a:extLst>
           </p:cNvPr>
@@ -20398,21 +20470,15 @@
           <p:nvPr/>
         </p:nvPicPr>
         <p:blipFill>
-          <a:blip r:embed="rId3">
-            <a:extLst>
-              <a:ext uri="{28A0092B-C50C-407E-A947-70E740481C1C}">
-                <a14:useLocalDpi xmlns:a14="http://schemas.microsoft.com/office/drawing/2010/main" val="0"/>
-              </a:ext>
-            </a:extLst>
-          </a:blip>
+          <a:blip r:embed="rId3"/>
           <a:stretch>
             <a:fillRect/>
           </a:stretch>
         </p:blipFill>
         <p:spPr>
           <a:xfrm>
-            <a:off x="352801" y="2309896"/>
-            <a:ext cx="2986748" cy="2632238"/>
+            <a:off x="133350" y="2027652"/>
+            <a:ext cx="7053746" cy="3004654"/>
           </a:xfrm>
           <a:prstGeom prst="rect">
             <a:avLst/>
@@ -20422,7 +20488,7 @@
     </p:spTree>
     <p:extLst>
       <p:ext uri="{BB962C8B-B14F-4D97-AF65-F5344CB8AC3E}">
-        <p14:creationId xmlns:p14="http://schemas.microsoft.com/office/powerpoint/2010/main" val="2452086353"/>
+        <p14:creationId xmlns:p14="http://schemas.microsoft.com/office/powerpoint/2010/main" val="1705541518"/>
       </p:ext>
     </p:extLst>
   </p:cSld>
@@ -20494,121 +20560,6 @@
           <a:lstStyle/>
           <a:p>
             <a:r>
-              <a:rPr lang="de-AT" dirty="0" err="1"/>
-              <a:t>Deskritpive</a:t>
-            </a:r>
-            <a:r>
-              <a:rPr lang="de-AT" dirty="0"/>
-              <a:t> Werte Spiegel Artikel</a:t>
-            </a:r>
-          </a:p>
-        </p:txBody>
-      </p:sp>
-      <p:pic>
-        <p:nvPicPr>
-          <p:cNvPr id="4" name="Grafik 3">
-            <a:extLst>
-              <a:ext uri="{FF2B5EF4-FFF2-40B4-BE49-F238E27FC236}">
-                <a16:creationId xmlns:a16="http://schemas.microsoft.com/office/drawing/2014/main" id="{6EFF659C-6472-4A4F-9F6B-011DB366C44B}"/>
-              </a:ext>
-            </a:extLst>
-          </p:cNvPr>
-          <p:cNvPicPr>
-            <a:picLocks noChangeAspect="1"/>
-          </p:cNvPicPr>
-          <p:nvPr/>
-        </p:nvPicPr>
-        <p:blipFill>
-          <a:blip r:embed="rId3"/>
-          <a:stretch>
-            <a:fillRect/>
-          </a:stretch>
-        </p:blipFill>
-        <p:spPr>
-          <a:xfrm>
-            <a:off x="133350" y="2027652"/>
-            <a:ext cx="7053746" cy="3004654"/>
-          </a:xfrm>
-          <a:prstGeom prst="rect">
-            <a:avLst/>
-          </a:prstGeom>
-        </p:spPr>
-      </p:pic>
-    </p:spTree>
-    <p:extLst>
-      <p:ext uri="{BB962C8B-B14F-4D97-AF65-F5344CB8AC3E}">
-        <p14:creationId xmlns:p14="http://schemas.microsoft.com/office/powerpoint/2010/main" val="1705541518"/>
-      </p:ext>
-    </p:extLst>
-  </p:cSld>
-  <p:clrMapOvr>
-    <a:overrideClrMapping bg1="lt1" tx1="dk1" bg2="lt2" tx2="dk2" accent1="accent1" accent2="accent2" accent3="accent3" accent4="accent4" accent5="accent5" accent6="accent6" hlink="hlink" folHlink="folHlink"/>
-  </p:clrMapOvr>
-  <p:transition>
-    <p:fade/>
-  </p:transition>
-</p:sld>
-</file>
-
-<file path=ppt/slides/slide27.xml><?xml version="1.0" encoding="utf-8"?>
-<p:sld xmlns:a="http://schemas.openxmlformats.org/drawingml/2006/main" xmlns:r="http://schemas.openxmlformats.org/officeDocument/2006/relationships" xmlns:p="http://schemas.openxmlformats.org/presentationml/2006/main">
-  <p:cSld>
-    <p:bg>
-      <p:bgPr>
-        <a:gradFill flip="none" rotWithShape="1">
-          <a:gsLst>
-            <a:gs pos="68000">
-              <a:schemeClr val="accent3">
-                <a:lumMod val="0"/>
-                <a:lumOff val="100000"/>
-              </a:schemeClr>
-            </a:gs>
-            <a:gs pos="1000">
-              <a:srgbClr val="93C4E5"/>
-            </a:gs>
-          </a:gsLst>
-          <a:lin ang="8100000" scaled="1"/>
-          <a:tileRect/>
-        </a:gradFill>
-        <a:effectLst/>
-      </p:bgPr>
-    </p:bg>
-    <p:spTree>
-      <p:nvGrpSpPr>
-        <p:cNvPr id="1" name=""/>
-        <p:cNvGrpSpPr/>
-        <p:nvPr/>
-      </p:nvGrpSpPr>
-      <p:grpSpPr>
-        <a:xfrm>
-          <a:off x="0" y="0"/>
-          <a:ext cx="0" cy="0"/>
-          <a:chOff x="0" y="0"/>
-          <a:chExt cx="0" cy="0"/>
-        </a:xfrm>
-      </p:grpSpPr>
-      <p:sp>
-        <p:nvSpPr>
-          <p:cNvPr id="10" name="Textplatzhalter 9">
-            <a:extLst>
-              <a:ext uri="{FF2B5EF4-FFF2-40B4-BE49-F238E27FC236}">
-                <a16:creationId xmlns:a16="http://schemas.microsoft.com/office/drawing/2014/main" id="{879A2961-FFAF-467C-8696-83D5549437CD}"/>
-              </a:ext>
-            </a:extLst>
-          </p:cNvPr>
-          <p:cNvSpPr>
-            <a:spLocks noGrp="1"/>
-          </p:cNvSpPr>
-          <p:nvPr>
-            <p:ph type="body" sz="quarter" idx="10"/>
-          </p:nvPr>
-        </p:nvSpPr>
-        <p:spPr/>
-        <p:txBody>
-          <a:bodyPr/>
-          <a:lstStyle/>
-          <a:p>
-            <a:r>
               <a:rPr lang="de-AT" dirty="0"/>
               <a:t>Verteilung Anzahl Wörter </a:t>
             </a:r>
@@ -20669,7 +20620,7 @@
 </p:sld>
 </file>
 
-<file path=ppt/slides/slide28.xml><?xml version="1.0" encoding="utf-8"?>
+<file path=ppt/slides/slide27.xml><?xml version="1.0" encoding="utf-8"?>
 <p:sld xmlns:a="http://schemas.openxmlformats.org/drawingml/2006/main" xmlns:r="http://schemas.openxmlformats.org/officeDocument/2006/relationships" xmlns:p="http://schemas.openxmlformats.org/presentationml/2006/main">
   <p:cSld>
     <p:spTree>
@@ -20764,7 +20715,7 @@
 </p:sld>
 </file>
 
-<file path=ppt/slides/slide29.xml><?xml version="1.0" encoding="utf-8"?>
+<file path=ppt/slides/slide28.xml><?xml version="1.0" encoding="utf-8"?>
 <p:sld xmlns:a="http://schemas.openxmlformats.org/drawingml/2006/main" xmlns:r="http://schemas.openxmlformats.org/officeDocument/2006/relationships" xmlns:p="http://schemas.openxmlformats.org/presentationml/2006/main">
   <p:cSld>
     <p:spTree>
@@ -20847,6 +20798,89 @@
     <p:extLst>
       <p:ext uri="{BB962C8B-B14F-4D97-AF65-F5344CB8AC3E}">
         <p14:creationId xmlns:p14="http://schemas.microsoft.com/office/powerpoint/2010/main" val="3944270438"/>
+      </p:ext>
+    </p:extLst>
+  </p:cSld>
+  <p:clrMapOvr>
+    <a:masterClrMapping/>
+  </p:clrMapOvr>
+  <p:transition>
+    <p:fade/>
+  </p:transition>
+</p:sld>
+</file>
+
+<file path=ppt/slides/slide29.xml><?xml version="1.0" encoding="utf-8"?>
+<p:sld xmlns:a="http://schemas.openxmlformats.org/drawingml/2006/main" xmlns:r="http://schemas.openxmlformats.org/officeDocument/2006/relationships" xmlns:p="http://schemas.openxmlformats.org/presentationml/2006/main">
+  <p:cSld>
+    <p:spTree>
+      <p:nvGrpSpPr>
+        <p:cNvPr id="1" name=""/>
+        <p:cNvGrpSpPr/>
+        <p:nvPr/>
+      </p:nvGrpSpPr>
+      <p:grpSpPr>
+        <a:xfrm>
+          <a:off x="0" y="0"/>
+          <a:ext cx="0" cy="0"/>
+          <a:chOff x="0" y="0"/>
+          <a:chExt cx="0" cy="0"/>
+        </a:xfrm>
+      </p:grpSpPr>
+      <p:sp>
+        <p:nvSpPr>
+          <p:cNvPr id="2" name="Textplatzhalter 1">
+            <a:extLst>
+              <a:ext uri="{FF2B5EF4-FFF2-40B4-BE49-F238E27FC236}">
+                <a16:creationId xmlns:a16="http://schemas.microsoft.com/office/drawing/2014/main" id="{4EB58963-3E6F-405A-808C-63935332F309}"/>
+              </a:ext>
+            </a:extLst>
+          </p:cNvPr>
+          <p:cNvSpPr>
+            <a:spLocks noGrp="1"/>
+          </p:cNvSpPr>
+          <p:nvPr>
+            <p:ph type="body" sz="quarter" idx="10"/>
+          </p:nvPr>
+        </p:nvSpPr>
+        <p:spPr/>
+        <p:txBody>
+          <a:bodyPr/>
+          <a:lstStyle/>
+          <a:p>
+            <a:endParaRPr lang="de-AT"/>
+          </a:p>
+        </p:txBody>
+      </p:sp>
+      <p:sp>
+        <p:nvSpPr>
+          <p:cNvPr id="3" name="Textplatzhalter 2">
+            <a:extLst>
+              <a:ext uri="{FF2B5EF4-FFF2-40B4-BE49-F238E27FC236}">
+                <a16:creationId xmlns:a16="http://schemas.microsoft.com/office/drawing/2014/main" id="{996B0C4C-E1FC-4797-A1C8-4CC1D36D4FE4}"/>
+              </a:ext>
+            </a:extLst>
+          </p:cNvPr>
+          <p:cNvSpPr>
+            <a:spLocks noGrp="1"/>
+          </p:cNvSpPr>
+          <p:nvPr>
+            <p:ph type="body" sz="quarter" idx="13"/>
+          </p:nvPr>
+        </p:nvSpPr>
+        <p:spPr/>
+        <p:txBody>
+          <a:bodyPr/>
+          <a:lstStyle/>
+          <a:p>
+            <a:endParaRPr lang="de-AT"/>
+          </a:p>
+        </p:txBody>
+      </p:sp>
+    </p:spTree>
+    <p:extLst>
+      <p:ext uri="{BB962C8B-B14F-4D97-AF65-F5344CB8AC3E}">
+        <p14:creationId xmlns:p14="http://schemas.microsoft.com/office/powerpoint/2010/main" val="3940903316"/>
       </p:ext>
     </p:extLst>
   </p:cSld>
@@ -21096,6 +21130,26 @@
 <file path=ppt/slides/slide30.xml><?xml version="1.0" encoding="utf-8"?>
 <p:sld xmlns:a="http://schemas.openxmlformats.org/drawingml/2006/main" xmlns:r="http://schemas.openxmlformats.org/officeDocument/2006/relationships" xmlns:p="http://schemas.openxmlformats.org/presentationml/2006/main">
   <p:cSld>
+    <p:bg>
+      <p:bgPr>
+        <a:gradFill flip="none" rotWithShape="1">
+          <a:gsLst>
+            <a:gs pos="68000">
+              <a:schemeClr val="accent3">
+                <a:lumMod val="0"/>
+                <a:lumOff val="100000"/>
+              </a:schemeClr>
+            </a:gs>
+            <a:gs pos="1000">
+              <a:srgbClr val="93C4E5"/>
+            </a:gs>
+          </a:gsLst>
+          <a:lin ang="8100000" scaled="1"/>
+          <a:tileRect/>
+        </a:gradFill>
+        <a:effectLst/>
+      </p:bgPr>
+    </p:bg>
     <p:spTree>
       <p:nvGrpSpPr>
         <p:cNvPr id="1" name=""/>
@@ -21112,10 +21166,10 @@
       </p:grpSpPr>
       <p:sp>
         <p:nvSpPr>
-          <p:cNvPr id="2" name="Textplatzhalter 1">
+          <p:cNvPr id="10" name="Textplatzhalter 9">
             <a:extLst>
               <a:ext uri="{FF2B5EF4-FFF2-40B4-BE49-F238E27FC236}">
-                <a16:creationId xmlns:a16="http://schemas.microsoft.com/office/drawing/2014/main" id="{4EB58963-3E6F-405A-808C-63935332F309}"/>
+                <a16:creationId xmlns:a16="http://schemas.microsoft.com/office/drawing/2014/main" id="{879A2961-FFAF-467C-8696-83D5549437CD}"/>
               </a:ext>
             </a:extLst>
           </p:cNvPr>
@@ -21131,44 +21185,52 @@
           <a:bodyPr/>
           <a:lstStyle/>
           <a:p>
-            <a:endParaRPr lang="de-AT"/>
+            <a:r>
+              <a:rPr lang="de-AT" dirty="0"/>
+              <a:t>Auswertung</a:t>
+            </a:r>
           </a:p>
         </p:txBody>
       </p:sp>
-      <p:sp>
-        <p:nvSpPr>
-          <p:cNvPr id="3" name="Textplatzhalter 2">
+      <p:pic>
+        <p:nvPicPr>
+          <p:cNvPr id="3" name="Grafik 2">
             <a:extLst>
               <a:ext uri="{FF2B5EF4-FFF2-40B4-BE49-F238E27FC236}">
-                <a16:creationId xmlns:a16="http://schemas.microsoft.com/office/drawing/2014/main" id="{996B0C4C-E1FC-4797-A1C8-4CC1D36D4FE4}"/>
+                <a16:creationId xmlns:a16="http://schemas.microsoft.com/office/drawing/2014/main" id="{B64D4043-921C-40F1-8C30-E735F3323AA0}"/>
               </a:ext>
             </a:extLst>
           </p:cNvPr>
-          <p:cNvSpPr>
-            <a:spLocks noGrp="1"/>
-          </p:cNvSpPr>
-          <p:nvPr>
-            <p:ph type="body" sz="quarter" idx="13"/>
-          </p:nvPr>
-        </p:nvSpPr>
-        <p:spPr/>
-        <p:txBody>
-          <a:bodyPr/>
-          <a:lstStyle/>
-          <a:p>
-            <a:endParaRPr lang="de-AT"/>
-          </a:p>
-        </p:txBody>
-      </p:sp>
+          <p:cNvPicPr>
+            <a:picLocks noChangeAspect="1"/>
+          </p:cNvPicPr>
+          <p:nvPr/>
+        </p:nvPicPr>
+        <p:blipFill>
+          <a:blip r:embed="rId3"/>
+          <a:stretch>
+            <a:fillRect/>
+          </a:stretch>
+        </p:blipFill>
+        <p:spPr>
+          <a:xfrm>
+            <a:off x="296018" y="1657175"/>
+            <a:ext cx="8048625" cy="3238500"/>
+          </a:xfrm>
+          <a:prstGeom prst="rect">
+            <a:avLst/>
+          </a:prstGeom>
+        </p:spPr>
+      </p:pic>
     </p:spTree>
     <p:extLst>
       <p:ext uri="{BB962C8B-B14F-4D97-AF65-F5344CB8AC3E}">
-        <p14:creationId xmlns:p14="http://schemas.microsoft.com/office/powerpoint/2010/main" val="3940903316"/>
+        <p14:creationId xmlns:p14="http://schemas.microsoft.com/office/powerpoint/2010/main" val="216770028"/>
       </p:ext>
     </p:extLst>
   </p:cSld>
   <p:clrMapOvr>
-    <a:masterClrMapping/>
+    <a:overrideClrMapping bg1="lt1" tx1="dk1" bg2="lt2" tx2="dk2" accent1="accent1" accent2="accent2" accent3="accent3" accent4="accent4" accent5="accent5" accent6="accent6" hlink="hlink" folHlink="folHlink"/>
   </p:clrMapOvr>
   <p:transition>
     <p:fade/>
@@ -21236,17 +21298,17 @@
           <a:p>
             <a:r>
               <a:rPr lang="de-AT" dirty="0"/>
-              <a:t>Auswertung</a:t>
+              <a:t>Auswertung – Violine Plots - Polarität</a:t>
             </a:r>
           </a:p>
         </p:txBody>
       </p:sp>
       <p:pic>
         <p:nvPicPr>
-          <p:cNvPr id="3" name="Grafik 2">
+          <p:cNvPr id="2" name="Grafik 1">
             <a:extLst>
               <a:ext uri="{FF2B5EF4-FFF2-40B4-BE49-F238E27FC236}">
-                <a16:creationId xmlns:a16="http://schemas.microsoft.com/office/drawing/2014/main" id="{B64D4043-921C-40F1-8C30-E735F3323AA0}"/>
+                <a16:creationId xmlns:a16="http://schemas.microsoft.com/office/drawing/2014/main" id="{574D3515-A24C-41DB-9426-A8DF9ED9D70D}"/>
               </a:ext>
             </a:extLst>
           </p:cNvPr>
@@ -21263,8 +21325,8 @@
         </p:blipFill>
         <p:spPr>
           <a:xfrm>
-            <a:off x="296018" y="1657175"/>
-            <a:ext cx="8048625" cy="3238500"/>
+            <a:off x="0" y="1011583"/>
+            <a:ext cx="7399376" cy="4083029"/>
           </a:xfrm>
           <a:prstGeom prst="rect">
             <a:avLst/>
@@ -21274,7 +21336,7 @@
     </p:spTree>
     <p:extLst>
       <p:ext uri="{BB962C8B-B14F-4D97-AF65-F5344CB8AC3E}">
-        <p14:creationId xmlns:p14="http://schemas.microsoft.com/office/powerpoint/2010/main" val="216770028"/>
+        <p14:creationId xmlns:p14="http://schemas.microsoft.com/office/powerpoint/2010/main" val="1068486459"/>
       </p:ext>
     </p:extLst>
   </p:cSld>
@@ -21347,7 +21409,7 @@
           <a:p>
             <a:r>
               <a:rPr lang="de-AT" dirty="0"/>
-              <a:t>Auswertung – Violine Plots - Polarität</a:t>
+              <a:t>Auswertung – Violine Plots – Anzahl Wörter</a:t>
             </a:r>
           </a:p>
         </p:txBody>
@@ -21357,7 +21419,7 @@
           <p:cNvPr id="2" name="Grafik 1">
             <a:extLst>
               <a:ext uri="{FF2B5EF4-FFF2-40B4-BE49-F238E27FC236}">
-                <a16:creationId xmlns:a16="http://schemas.microsoft.com/office/drawing/2014/main" id="{574D3515-A24C-41DB-9426-A8DF9ED9D70D}"/>
+                <a16:creationId xmlns:a16="http://schemas.microsoft.com/office/drawing/2014/main" id="{E1AD4BFB-1711-4F3B-A0F0-B2F01BBA65D1}"/>
               </a:ext>
             </a:extLst>
           </p:cNvPr>
@@ -21374,8 +21436,8 @@
         </p:blipFill>
         <p:spPr>
           <a:xfrm>
-            <a:off x="0" y="1011583"/>
-            <a:ext cx="7399376" cy="4083029"/>
+            <a:off x="0" y="1042504"/>
+            <a:ext cx="7331104" cy="4063297"/>
           </a:xfrm>
           <a:prstGeom prst="rect">
             <a:avLst/>
@@ -21385,7 +21447,7 @@
     </p:spTree>
     <p:extLst>
       <p:ext uri="{BB962C8B-B14F-4D97-AF65-F5344CB8AC3E}">
-        <p14:creationId xmlns:p14="http://schemas.microsoft.com/office/powerpoint/2010/main" val="1068486459"/>
+        <p14:creationId xmlns:p14="http://schemas.microsoft.com/office/powerpoint/2010/main" val="2217334265"/>
       </p:ext>
     </p:extLst>
   </p:cSld>
@@ -21458,8 +21520,13 @@
           <a:p>
             <a:r>
               <a:rPr lang="de-AT" dirty="0"/>
-              <a:t>Auswertung – Violine Plots – Anzahl Wörter</a:t>
-            </a:r>
+              <a:t>Auswertung – </a:t>
+            </a:r>
+            <a:r>
+              <a:rPr lang="de-AT"/>
+              <a:t>Statistische Tests</a:t>
+            </a:r>
+            <a:endParaRPr lang="de-AT" dirty="0"/>
           </a:p>
         </p:txBody>
       </p:sp>
@@ -21468,7 +21535,7 @@
           <p:cNvPr id="2" name="Grafik 1">
             <a:extLst>
               <a:ext uri="{FF2B5EF4-FFF2-40B4-BE49-F238E27FC236}">
-                <a16:creationId xmlns:a16="http://schemas.microsoft.com/office/drawing/2014/main" id="{E1AD4BFB-1711-4F3B-A0F0-B2F01BBA65D1}"/>
+                <a16:creationId xmlns:a16="http://schemas.microsoft.com/office/drawing/2014/main" id="{7C1AFA8E-4D86-4587-8AD9-000A7199EA20}"/>
               </a:ext>
             </a:extLst>
           </p:cNvPr>
@@ -21485,8 +21552,8 @@
         </p:blipFill>
         <p:spPr>
           <a:xfrm>
-            <a:off x="0" y="1042504"/>
-            <a:ext cx="7331104" cy="4063297"/>
+            <a:off x="0" y="2522399"/>
+            <a:ext cx="7181850" cy="2581275"/>
           </a:xfrm>
           <a:prstGeom prst="rect">
             <a:avLst/>
@@ -21496,7 +21563,7 @@
     </p:spTree>
     <p:extLst>
       <p:ext uri="{BB962C8B-B14F-4D97-AF65-F5344CB8AC3E}">
-        <p14:creationId xmlns:p14="http://schemas.microsoft.com/office/powerpoint/2010/main" val="2217334265"/>
+        <p14:creationId xmlns:p14="http://schemas.microsoft.com/office/powerpoint/2010/main" val="3541301622"/>
       </p:ext>
     </p:extLst>
   </p:cSld>
@@ -21569,50 +21636,15 @@
           <a:p>
             <a:r>
               <a:rPr lang="de-AT" dirty="0"/>
-              <a:t>Auswertung – </a:t>
-            </a:r>
-            <a:r>
-              <a:rPr lang="de-AT"/>
-              <a:t>Statistische Tests</a:t>
-            </a:r>
-            <a:endParaRPr lang="de-AT" dirty="0"/>
+              <a:t>Auswertung</a:t>
+            </a:r>
           </a:p>
         </p:txBody>
       </p:sp>
-      <p:pic>
-        <p:nvPicPr>
-          <p:cNvPr id="2" name="Grafik 1">
-            <a:extLst>
-              <a:ext uri="{FF2B5EF4-FFF2-40B4-BE49-F238E27FC236}">
-                <a16:creationId xmlns:a16="http://schemas.microsoft.com/office/drawing/2014/main" id="{7C1AFA8E-4D86-4587-8AD9-000A7199EA20}"/>
-              </a:ext>
-            </a:extLst>
-          </p:cNvPr>
-          <p:cNvPicPr>
-            <a:picLocks noChangeAspect="1"/>
-          </p:cNvPicPr>
-          <p:nvPr/>
-        </p:nvPicPr>
-        <p:blipFill>
-          <a:blip r:embed="rId3"/>
-          <a:stretch>
-            <a:fillRect/>
-          </a:stretch>
-        </p:blipFill>
-        <p:spPr>
-          <a:xfrm>
-            <a:off x="0" y="2522399"/>
-            <a:ext cx="7181850" cy="2581275"/>
-          </a:xfrm>
-          <a:prstGeom prst="rect">
-            <a:avLst/>
-          </a:prstGeom>
-        </p:spPr>
-      </p:pic>
     </p:spTree>
     <p:extLst>
       <p:ext uri="{BB962C8B-B14F-4D97-AF65-F5344CB8AC3E}">
-        <p14:creationId xmlns:p14="http://schemas.microsoft.com/office/powerpoint/2010/main" val="3541301622"/>
+        <p14:creationId xmlns:p14="http://schemas.microsoft.com/office/powerpoint/2010/main" val="977536373"/>
       </p:ext>
     </p:extLst>
   </p:cSld>
@@ -21628,26 +21660,6 @@
 <file path=ppt/slides/slide35.xml><?xml version="1.0" encoding="utf-8"?>
 <p:sld xmlns:a="http://schemas.openxmlformats.org/drawingml/2006/main" xmlns:r="http://schemas.openxmlformats.org/officeDocument/2006/relationships" xmlns:p="http://schemas.openxmlformats.org/presentationml/2006/main">
   <p:cSld>
-    <p:bg>
-      <p:bgPr>
-        <a:gradFill flip="none" rotWithShape="1">
-          <a:gsLst>
-            <a:gs pos="68000">
-              <a:schemeClr val="accent3">
-                <a:lumMod val="0"/>
-                <a:lumOff val="100000"/>
-              </a:schemeClr>
-            </a:gs>
-            <a:gs pos="1000">
-              <a:srgbClr val="93C4E5"/>
-            </a:gs>
-          </a:gsLst>
-          <a:lin ang="8100000" scaled="1"/>
-          <a:tileRect/>
-        </a:gradFill>
-        <a:effectLst/>
-      </p:bgPr>
-    </p:bg>
     <p:spTree>
       <p:nvGrpSpPr>
         <p:cNvPr id="1" name=""/>
@@ -21664,10 +21676,10 @@
       </p:grpSpPr>
       <p:sp>
         <p:nvSpPr>
-          <p:cNvPr id="10" name="Textplatzhalter 9">
+          <p:cNvPr id="2" name="Textplatzhalter 1">
             <a:extLst>
               <a:ext uri="{FF2B5EF4-FFF2-40B4-BE49-F238E27FC236}">
-                <a16:creationId xmlns:a16="http://schemas.microsoft.com/office/drawing/2014/main" id="{879A2961-FFAF-467C-8696-83D5549437CD}"/>
+                <a16:creationId xmlns:a16="http://schemas.microsoft.com/office/drawing/2014/main" id="{4EB58963-3E6F-405A-808C-63935332F309}"/>
               </a:ext>
             </a:extLst>
           </p:cNvPr>
@@ -21683,22 +21695,44 @@
           <a:bodyPr/>
           <a:lstStyle/>
           <a:p>
-            <a:r>
-              <a:rPr lang="de-AT" dirty="0"/>
-              <a:t>Auswertung</a:t>
-            </a:r>
+            <a:endParaRPr lang="de-AT"/>
+          </a:p>
+        </p:txBody>
+      </p:sp>
+      <p:sp>
+        <p:nvSpPr>
+          <p:cNvPr id="3" name="Textplatzhalter 2">
+            <a:extLst>
+              <a:ext uri="{FF2B5EF4-FFF2-40B4-BE49-F238E27FC236}">
+                <a16:creationId xmlns:a16="http://schemas.microsoft.com/office/drawing/2014/main" id="{996B0C4C-E1FC-4797-A1C8-4CC1D36D4FE4}"/>
+              </a:ext>
+            </a:extLst>
+          </p:cNvPr>
+          <p:cNvSpPr>
+            <a:spLocks noGrp="1"/>
+          </p:cNvSpPr>
+          <p:nvPr>
+            <p:ph type="body" sz="quarter" idx="13"/>
+          </p:nvPr>
+        </p:nvSpPr>
+        <p:spPr/>
+        <p:txBody>
+          <a:bodyPr/>
+          <a:lstStyle/>
+          <a:p>
+            <a:endParaRPr lang="de-AT"/>
           </a:p>
         </p:txBody>
       </p:sp>
     </p:spTree>
     <p:extLst>
       <p:ext uri="{BB962C8B-B14F-4D97-AF65-F5344CB8AC3E}">
-        <p14:creationId xmlns:p14="http://schemas.microsoft.com/office/powerpoint/2010/main" val="977536373"/>
+        <p14:creationId xmlns:p14="http://schemas.microsoft.com/office/powerpoint/2010/main" val="4184983777"/>
       </p:ext>
     </p:extLst>
   </p:cSld>
   <p:clrMapOvr>
-    <a:overrideClrMapping bg1="lt1" tx1="dk1" bg2="lt2" tx2="dk2" accent1="accent1" accent2="accent2" accent3="accent3" accent4="accent4" accent5="accent5" accent6="accent6" hlink="hlink" folHlink="folHlink"/>
+    <a:masterClrMapping/>
   </p:clrMapOvr>
   <p:transition>
     <p:fade/>
@@ -21744,39 +21778,64 @@
           <a:bodyPr/>
           <a:lstStyle/>
           <a:p>
-            <a:endParaRPr lang="de-AT"/>
+            <a:r>
+              <a:rPr lang="de-AT" dirty="0"/>
+              <a:t>Fragen?</a:t>
+            </a:r>
           </a:p>
         </p:txBody>
       </p:sp>
-      <p:sp>
-        <p:nvSpPr>
-          <p:cNvPr id="3" name="Textplatzhalter 2">
+      <p:pic>
+        <p:nvPicPr>
+          <p:cNvPr id="2050" name="Picture 2" descr="Bildergebnis für dilbert any questions">
             <a:extLst>
               <a:ext uri="{FF2B5EF4-FFF2-40B4-BE49-F238E27FC236}">
-                <a16:creationId xmlns:a16="http://schemas.microsoft.com/office/drawing/2014/main" id="{996B0C4C-E1FC-4797-A1C8-4CC1D36D4FE4}"/>
+                <a16:creationId xmlns:a16="http://schemas.microsoft.com/office/drawing/2014/main" id="{9AADF101-A4E9-43C2-A0E9-860BA230FDFB}"/>
               </a:ext>
             </a:extLst>
           </p:cNvPr>
-          <p:cNvSpPr>
-            <a:spLocks noGrp="1"/>
-          </p:cNvSpPr>
-          <p:nvPr>
-            <p:ph type="body" sz="quarter" idx="13"/>
-          </p:nvPr>
-        </p:nvSpPr>
-        <p:spPr/>
-        <p:txBody>
-          <a:bodyPr/>
-          <a:lstStyle/>
-          <a:p>
-            <a:endParaRPr lang="de-AT"/>
-          </a:p>
-        </p:txBody>
-      </p:sp>
+          <p:cNvPicPr>
+            <a:picLocks noChangeAspect="1" noChangeArrowheads="1"/>
+          </p:cNvPicPr>
+          <p:nvPr/>
+        </p:nvPicPr>
+        <p:blipFill>
+          <a:blip r:embed="rId2">
+            <a:extLst>
+              <a:ext uri="{28A0092B-C50C-407E-A947-70E740481C1C}">
+                <a14:useLocalDpi xmlns:a14="http://schemas.microsoft.com/office/drawing/2010/main" val="0"/>
+              </a:ext>
+            </a:extLst>
+          </a:blip>
+          <a:srcRect/>
+          <a:stretch>
+            <a:fillRect/>
+          </a:stretch>
+        </p:blipFill>
+        <p:spPr bwMode="auto">
+          <a:xfrm>
+            <a:off x="285750" y="1238250"/>
+            <a:ext cx="8572500" cy="2667000"/>
+          </a:xfrm>
+          <a:prstGeom prst="rect">
+            <a:avLst/>
+          </a:prstGeom>
+          <a:noFill/>
+          <a:extLst>
+            <a:ext uri="{909E8E84-426E-40DD-AFC4-6F175D3DCCD1}">
+              <a14:hiddenFill xmlns:a14="http://schemas.microsoft.com/office/drawing/2010/main">
+                <a:solidFill>
+                  <a:srgbClr val="FFFFFF"/>
+                </a:solidFill>
+              </a14:hiddenFill>
+            </a:ext>
+          </a:extLst>
+        </p:spPr>
+      </p:pic>
     </p:spTree>
     <p:extLst>
       <p:ext uri="{BB962C8B-B14F-4D97-AF65-F5344CB8AC3E}">
-        <p14:creationId xmlns:p14="http://schemas.microsoft.com/office/powerpoint/2010/main" val="4184983777"/>
+        <p14:creationId xmlns:p14="http://schemas.microsoft.com/office/powerpoint/2010/main" val="3952126182"/>
       </p:ext>
     </p:extLst>
   </p:cSld>
@@ -21829,114 +21888,6 @@
           <a:p>
             <a:r>
               <a:rPr lang="de-AT" dirty="0"/>
-              <a:t>Fragen?</a:t>
-            </a:r>
-          </a:p>
-        </p:txBody>
-      </p:sp>
-      <p:pic>
-        <p:nvPicPr>
-          <p:cNvPr id="2050" name="Picture 2" descr="Bildergebnis für dilbert any questions">
-            <a:extLst>
-              <a:ext uri="{FF2B5EF4-FFF2-40B4-BE49-F238E27FC236}">
-                <a16:creationId xmlns:a16="http://schemas.microsoft.com/office/drawing/2014/main" id="{9AADF101-A4E9-43C2-A0E9-860BA230FDFB}"/>
-              </a:ext>
-            </a:extLst>
-          </p:cNvPr>
-          <p:cNvPicPr>
-            <a:picLocks noChangeAspect="1" noChangeArrowheads="1"/>
-          </p:cNvPicPr>
-          <p:nvPr/>
-        </p:nvPicPr>
-        <p:blipFill>
-          <a:blip r:embed="rId2">
-            <a:extLst>
-              <a:ext uri="{28A0092B-C50C-407E-A947-70E740481C1C}">
-                <a14:useLocalDpi xmlns:a14="http://schemas.microsoft.com/office/drawing/2010/main" val="0"/>
-              </a:ext>
-            </a:extLst>
-          </a:blip>
-          <a:srcRect/>
-          <a:stretch>
-            <a:fillRect/>
-          </a:stretch>
-        </p:blipFill>
-        <p:spPr bwMode="auto">
-          <a:xfrm>
-            <a:off x="285750" y="1238250"/>
-            <a:ext cx="8572500" cy="2667000"/>
-          </a:xfrm>
-          <a:prstGeom prst="rect">
-            <a:avLst/>
-          </a:prstGeom>
-          <a:noFill/>
-          <a:extLst>
-            <a:ext uri="{909E8E84-426E-40DD-AFC4-6F175D3DCCD1}">
-              <a14:hiddenFill xmlns:a14="http://schemas.microsoft.com/office/drawing/2010/main">
-                <a:solidFill>
-                  <a:srgbClr val="FFFFFF"/>
-                </a:solidFill>
-              </a14:hiddenFill>
-            </a:ext>
-          </a:extLst>
-        </p:spPr>
-      </p:pic>
-    </p:spTree>
-    <p:extLst>
-      <p:ext uri="{BB962C8B-B14F-4D97-AF65-F5344CB8AC3E}">
-        <p14:creationId xmlns:p14="http://schemas.microsoft.com/office/powerpoint/2010/main" val="3952126182"/>
-      </p:ext>
-    </p:extLst>
-  </p:cSld>
-  <p:clrMapOvr>
-    <a:masterClrMapping/>
-  </p:clrMapOvr>
-  <p:transition>
-    <p:fade/>
-  </p:transition>
-</p:sld>
-</file>
-
-<file path=ppt/slides/slide38.xml><?xml version="1.0" encoding="utf-8"?>
-<p:sld xmlns:a="http://schemas.openxmlformats.org/drawingml/2006/main" xmlns:r="http://schemas.openxmlformats.org/officeDocument/2006/relationships" xmlns:p="http://schemas.openxmlformats.org/presentationml/2006/main">
-  <p:cSld>
-    <p:spTree>
-      <p:nvGrpSpPr>
-        <p:cNvPr id="1" name=""/>
-        <p:cNvGrpSpPr/>
-        <p:nvPr/>
-      </p:nvGrpSpPr>
-      <p:grpSpPr>
-        <a:xfrm>
-          <a:off x="0" y="0"/>
-          <a:ext cx="0" cy="0"/>
-          <a:chOff x="0" y="0"/>
-          <a:chExt cx="0" cy="0"/>
-        </a:xfrm>
-      </p:grpSpPr>
-      <p:sp>
-        <p:nvSpPr>
-          <p:cNvPr id="2" name="Textplatzhalter 1">
-            <a:extLst>
-              <a:ext uri="{FF2B5EF4-FFF2-40B4-BE49-F238E27FC236}">
-                <a16:creationId xmlns:a16="http://schemas.microsoft.com/office/drawing/2014/main" id="{4EB58963-3E6F-405A-808C-63935332F309}"/>
-              </a:ext>
-            </a:extLst>
-          </p:cNvPr>
-          <p:cNvSpPr>
-            <a:spLocks noGrp="1"/>
-          </p:cNvSpPr>
-          <p:nvPr>
-            <p:ph type="body" sz="quarter" idx="10"/>
-          </p:nvPr>
-        </p:nvSpPr>
-        <p:spPr/>
-        <p:txBody>
-          <a:bodyPr/>
-          <a:lstStyle/>
-          <a:p>
-            <a:r>
-              <a:rPr lang="de-AT" dirty="0"/>
               <a:t>Quellen</a:t>
             </a:r>
           </a:p>
@@ -22292,7 +22243,7 @@
 </p:sld>
 </file>
 
-<file path=ppt/slides/slide39.xml><?xml version="1.0" encoding="utf-8"?>
+<file path=ppt/slides/slide38.xml><?xml version="1.0" encoding="utf-8"?>
 <p:sld xmlns:a="http://schemas.openxmlformats.org/drawingml/2006/main" xmlns:r="http://schemas.openxmlformats.org/officeDocument/2006/relationships" xmlns:p="http://schemas.openxmlformats.org/presentationml/2006/main">
   <p:cSld>
     <p:spTree>
@@ -28127,49 +28078,6 @@
 </a:themeOverride>
 </file>
 
-<file path=ppt/theme/themeOverride30.xml><?xml version="1.0" encoding="utf-8"?>
-<a:themeOverride xmlns:a="http://schemas.openxmlformats.org/drawingml/2006/main">
-  <a:clrScheme name="Office-Design">
-    <a:dk1>
-      <a:sysClr val="windowText" lastClr="000000"/>
-    </a:dk1>
-    <a:lt1>
-      <a:sysClr val="window" lastClr="FFFFFF"/>
-    </a:lt1>
-    <a:dk2>
-      <a:srgbClr val="44546A"/>
-    </a:dk2>
-    <a:lt2>
-      <a:srgbClr val="E7E6E6"/>
-    </a:lt2>
-    <a:accent1>
-      <a:srgbClr val="5B9BD5"/>
-    </a:accent1>
-    <a:accent2>
-      <a:srgbClr val="ED7D31"/>
-    </a:accent2>
-    <a:accent3>
-      <a:srgbClr val="A5A5A5"/>
-    </a:accent3>
-    <a:accent4>
-      <a:srgbClr val="FFC000"/>
-    </a:accent4>
-    <a:accent5>
-      <a:srgbClr val="4472C4"/>
-    </a:accent5>
-    <a:accent6>
-      <a:srgbClr val="70AD47"/>
-    </a:accent6>
-    <a:hlink>
-      <a:srgbClr val="0563C1"/>
-    </a:hlink>
-    <a:folHlink>
-      <a:srgbClr val="954F72"/>
-    </a:folHlink>
-  </a:clrScheme>
-</a:themeOverride>
-</file>
-
 <file path=ppt/theme/themeOverride4.xml><?xml version="1.0" encoding="utf-8"?>
 <a:themeOverride xmlns:a="http://schemas.openxmlformats.org/drawingml/2006/main">
   <a:clrScheme name="Office-Design">
